--- a/NAT Traversal/NAT Traversal.pptx
+++ b/NAT Traversal/NAT Traversal.pptx
@@ -3545,7 +3545,7 @@
           <a:p>
             <a:fld id="{B4CA027F-624E-4135-81DA-9C5157071668}" type="datetimeFigureOut">
               <a:rPr lang="en-US" smtClean="0"/>
-              <a:t>11/9/2023</a:t>
+              <a:t>11/10/2023</a:t>
             </a:fld>
             <a:endParaRPr lang="en-US"/>
           </a:p>
@@ -4527,7 +4527,7 @@
           <a:p>
             <a:fld id="{B4CA027F-624E-4135-81DA-9C5157071668}" type="datetimeFigureOut">
               <a:rPr lang="en-US" smtClean="0"/>
-              <a:t>11/9/2023</a:t>
+              <a:t>11/10/2023</a:t>
             </a:fld>
             <a:endParaRPr lang="en-US"/>
           </a:p>
@@ -5397,7 +5397,7 @@
           <a:p>
             <a:fld id="{B4CA027F-624E-4135-81DA-9C5157071668}" type="datetimeFigureOut">
               <a:rPr lang="en-US" smtClean="0"/>
-              <a:t>11/9/2023</a:t>
+              <a:t>11/10/2023</a:t>
             </a:fld>
             <a:endParaRPr lang="en-US"/>
           </a:p>
@@ -6418,7 +6418,7 @@
           <a:p>
             <a:fld id="{B4CA027F-624E-4135-81DA-9C5157071668}" type="datetimeFigureOut">
               <a:rPr lang="en-US" smtClean="0"/>
-              <a:t>11/9/2023</a:t>
+              <a:t>11/10/2023</a:t>
             </a:fld>
             <a:endParaRPr lang="en-US"/>
           </a:p>
@@ -7338,7 +7338,7 @@
           <a:p>
             <a:fld id="{B4CA027F-624E-4135-81DA-9C5157071668}" type="datetimeFigureOut">
               <a:rPr lang="en-US" smtClean="0"/>
-              <a:t>11/9/2023</a:t>
+              <a:t>11/10/2023</a:t>
             </a:fld>
             <a:endParaRPr lang="en-US"/>
           </a:p>
@@ -7994,7 +7994,7 @@
           <a:p>
             <a:fld id="{B4CA027F-624E-4135-81DA-9C5157071668}" type="datetimeFigureOut">
               <a:rPr lang="en-US" smtClean="0"/>
-              <a:t>11/9/2023</a:t>
+              <a:t>11/10/2023</a:t>
             </a:fld>
             <a:endParaRPr lang="en-US"/>
           </a:p>
@@ -8851,7 +8851,7 @@
           <a:p>
             <a:fld id="{B4CA027F-624E-4135-81DA-9C5157071668}" type="datetimeFigureOut">
               <a:rPr lang="en-US" smtClean="0"/>
-              <a:t>11/9/2023</a:t>
+              <a:t>11/10/2023</a:t>
             </a:fld>
             <a:endParaRPr lang="en-US"/>
           </a:p>
@@ -9034,7 +9034,7 @@
           <a:p>
             <a:fld id="{B4CA027F-624E-4135-81DA-9C5157071668}" type="datetimeFigureOut">
               <a:rPr lang="en-US" smtClean="0"/>
-              <a:t>11/9/2023</a:t>
+              <a:t>11/10/2023</a:t>
             </a:fld>
             <a:endParaRPr lang="en-US"/>
           </a:p>
@@ -9891,7 +9891,7 @@
           <a:p>
             <a:fld id="{B4CA027F-624E-4135-81DA-9C5157071668}" type="datetimeFigureOut">
               <a:rPr lang="en-US" smtClean="0"/>
-              <a:t>11/9/2023</a:t>
+              <a:t>11/10/2023</a:t>
             </a:fld>
             <a:endParaRPr lang="en-US"/>
           </a:p>
@@ -10110,7 +10110,7 @@
           <a:p>
             <a:fld id="{B4CA027F-624E-4135-81DA-9C5157071668}" type="datetimeFigureOut">
               <a:rPr lang="en-US" smtClean="0"/>
-              <a:t>11/9/2023</a:t>
+              <a:t>11/10/2023</a:t>
             </a:fld>
             <a:endParaRPr lang="en-US"/>
           </a:p>
@@ -11035,7 +11035,7 @@
           <a:p>
             <a:fld id="{B4CA027F-624E-4135-81DA-9C5157071668}" type="datetimeFigureOut">
               <a:rPr lang="en-US" smtClean="0"/>
-              <a:t>11/9/2023</a:t>
+              <a:t>11/10/2023</a:t>
             </a:fld>
             <a:endParaRPr lang="en-US"/>
           </a:p>
@@ -11319,7 +11319,7 @@
           <a:p>
             <a:fld id="{B4CA027F-624E-4135-81DA-9C5157071668}" type="datetimeFigureOut">
               <a:rPr lang="en-US" smtClean="0"/>
-              <a:t>11/9/2023</a:t>
+              <a:t>11/10/2023</a:t>
             </a:fld>
             <a:endParaRPr lang="en-US"/>
           </a:p>
@@ -11709,7 +11709,7 @@
           <a:p>
             <a:fld id="{B4CA027F-624E-4135-81DA-9C5157071668}" type="datetimeFigureOut">
               <a:rPr lang="en-US" smtClean="0"/>
-              <a:t>11/9/2023</a:t>
+              <a:t>11/10/2023</a:t>
             </a:fld>
             <a:endParaRPr lang="en-US"/>
           </a:p>
@@ -11835,7 +11835,7 @@
           <a:p>
             <a:fld id="{B4CA027F-624E-4135-81DA-9C5157071668}" type="datetimeFigureOut">
               <a:rPr lang="en-US" smtClean="0"/>
-              <a:t>11/9/2023</a:t>
+              <a:t>11/10/2023</a:t>
             </a:fld>
             <a:endParaRPr lang="en-US"/>
           </a:p>
@@ -11930,7 +11930,7 @@
           <a:p>
             <a:fld id="{B4CA027F-624E-4135-81DA-9C5157071668}" type="datetimeFigureOut">
               <a:rPr lang="en-US" smtClean="0"/>
-              <a:t>11/9/2023</a:t>
+              <a:t>11/10/2023</a:t>
             </a:fld>
             <a:endParaRPr lang="en-US"/>
           </a:p>
@@ -12901,7 +12901,7 @@
           <a:p>
             <a:fld id="{B4CA027F-624E-4135-81DA-9C5157071668}" type="datetimeFigureOut">
               <a:rPr lang="en-US" smtClean="0"/>
-              <a:t>11/9/2023</a:t>
+              <a:t>11/10/2023</a:t>
             </a:fld>
             <a:endParaRPr lang="en-US"/>
           </a:p>
@@ -13896,7 +13896,7 @@
           <a:p>
             <a:fld id="{B4CA027F-624E-4135-81DA-9C5157071668}" type="datetimeFigureOut">
               <a:rPr lang="en-US" smtClean="0"/>
-              <a:t>11/9/2023</a:t>
+              <a:t>11/10/2023</a:t>
             </a:fld>
             <a:endParaRPr lang="en-US"/>
           </a:p>
@@ -14780,7 +14780,7 @@
           <a:p>
             <a:fld id="{B4CA027F-624E-4135-81DA-9C5157071668}" type="datetimeFigureOut">
               <a:rPr lang="en-US" smtClean="0"/>
-              <a:t>11/9/2023</a:t>
+              <a:t>11/10/2023</a:t>
             </a:fld>
             <a:endParaRPr lang="en-US"/>
           </a:p>
@@ -15854,6 +15854,14 @@
 <file path=ppt/slides/slide13.xml><?xml version="1.0" encoding="utf-8"?>
 <p:sld xmlns:a="http://schemas.openxmlformats.org/drawingml/2006/main" xmlns:r="http://schemas.openxmlformats.org/officeDocument/2006/relationships" xmlns:p="http://schemas.openxmlformats.org/presentationml/2006/main">
   <p:cSld>
+    <p:bg>
+      <p:bgPr>
+        <a:solidFill>
+          <a:schemeClr val="bg1"/>
+        </a:solidFill>
+        <a:effectLst/>
+      </p:bgPr>
+    </p:bg>
     <p:spTree>
       <p:nvGrpSpPr>
         <p:cNvPr id="1" name=""/>
@@ -15884,9 +15892,16 @@
             <p:ph type="title"/>
           </p:nvPr>
         </p:nvSpPr>
-        <p:spPr/>
+        <p:spPr>
+          <a:xfrm>
+            <a:off x="1154954" y="973669"/>
+            <a:ext cx="8825659" cy="706964"/>
+          </a:xfrm>
+        </p:spPr>
         <p:txBody>
-          <a:bodyPr/>
+          <a:bodyPr>
+            <a:normAutofit/>
+          </a:bodyPr>
           <a:lstStyle/>
           <a:p>
             <a:r>
@@ -15912,37 +15927,99 @@
             <p:ph idx="1"/>
           </p:nvPr>
         </p:nvSpPr>
-        <p:spPr/>
+        <p:spPr>
+          <a:xfrm>
+            <a:off x="1154955" y="2603500"/>
+            <a:ext cx="3481054" cy="3416300"/>
+          </a:xfrm>
+        </p:spPr>
         <p:txBody>
-          <a:bodyPr/>
+          <a:bodyPr anchor="ctr">
+            <a:normAutofit/>
+          </a:bodyPr>
           <a:lstStyle/>
           <a:p>
             <a:r>
-              <a:rPr lang="en-US" dirty="0"/>
+              <a:rPr lang="en-US" sz="1600"/>
               <a:t>Traversal Using Relays around NAT</a:t>
             </a:r>
           </a:p>
           <a:p>
             <a:r>
-              <a:rPr lang="en-US" dirty="0"/>
+              <a:rPr lang="en-US" sz="1600"/>
               <a:t>All communication is passed through a public relay server</a:t>
             </a:r>
           </a:p>
           <a:p>
             <a:pPr lvl="1"/>
             <a:r>
-              <a:rPr lang="en-US" dirty="0"/>
+              <a:rPr lang="en-US"/>
               <a:t>Expensive for server owner, so less preferable</a:t>
             </a:r>
           </a:p>
           <a:p>
             <a:r>
-              <a:rPr lang="en-US" dirty="0"/>
+              <a:rPr lang="en-US" sz="1600"/>
               <a:t>Works on symmetric NAT</a:t>
             </a:r>
           </a:p>
         </p:txBody>
       </p:sp>
+      <p:pic>
+        <p:nvPicPr>
+          <p:cNvPr id="1026" name="Picture 2" descr="Example of TURN message flow">
+            <a:extLst>
+              <a:ext uri="{FF2B5EF4-FFF2-40B4-BE49-F238E27FC236}">
+                <a16:creationId xmlns:a16="http://schemas.microsoft.com/office/drawing/2014/main" id="{A257E670-6825-EC7D-63A7-0CD6757C600F}"/>
+              </a:ext>
+            </a:extLst>
+          </p:cNvPr>
+          <p:cNvPicPr>
+            <a:picLocks noChangeAspect="1" noChangeArrowheads="1"/>
+          </p:cNvPicPr>
+          <p:nvPr/>
+        </p:nvPicPr>
+        <p:blipFill>
+          <a:blip r:embed="rId2">
+            <a:extLst>
+              <a:ext uri="{28A0092B-C50C-407E-A947-70E740481C1C}">
+                <a14:useLocalDpi xmlns:a14="http://schemas.microsoft.com/office/drawing/2010/main" val="0"/>
+              </a:ext>
+            </a:extLst>
+          </a:blip>
+          <a:stretch>
+            <a:fillRect/>
+          </a:stretch>
+        </p:blipFill>
+        <p:spPr bwMode="auto">
+          <a:xfrm>
+            <a:off x="6127377" y="2775951"/>
+            <a:ext cx="3873959" cy="3067163"/>
+          </a:xfrm>
+          <a:prstGeom prst="roundRect">
+            <a:avLst>
+              <a:gd name="adj" fmla="val 1858"/>
+            </a:avLst>
+          </a:prstGeom>
+          <a:noFill/>
+          <a:effectLst>
+            <a:outerShdw blurRad="50800" dist="50800" dir="5400000" algn="tl" rotWithShape="0">
+              <a:srgbClr val="000000">
+                <a:alpha val="43000"/>
+              </a:srgbClr>
+            </a:outerShdw>
+          </a:effectLst>
+          <a:extLst>
+            <a:ext uri="{909E8E84-426E-40DD-AFC4-6F175D3DCCD1}">
+              <a14:hiddenFill xmlns:a14="http://schemas.microsoft.com/office/drawing/2010/main">
+                <a:solidFill>
+                  <a:srgbClr val="FFFFFF"/>
+                </a:solidFill>
+              </a14:hiddenFill>
+            </a:ext>
+          </a:extLst>
+        </p:spPr>
+      </p:pic>
     </p:spTree>
     <p:extLst>
       <p:ext uri="{BB962C8B-B14F-4D97-AF65-F5344CB8AC3E}">
@@ -20542,15 +20619,6 @@
 </file>
 
 <file path=customXml/item1.xml><?xml version="1.0" encoding="utf-8"?>
-<?mso-contentType ?>
-<FormTemplates xmlns="http://schemas.microsoft.com/sharepoint/v3/contenttype/forms">
-  <Display>DocumentLibraryForm</Display>
-  <Edit>DocumentLibraryForm</Edit>
-  <New>DocumentLibraryForm</New>
-</FormTemplates>
-</file>
-
-<file path=customXml/item2.xml><?xml version="1.0" encoding="utf-8"?>
 <ct:contentTypeSchema xmlns:ct="http://schemas.microsoft.com/office/2006/metadata/contentType" xmlns:ma="http://schemas.microsoft.com/office/2006/metadata/properties/metaAttributes" ct:_="" ma:_="" ma:contentTypeName="Document" ma:contentTypeID="0x010100D1184E82F41F2E4492ACF4C4FBFA4C75" ma:contentTypeVersion="2" ma:contentTypeDescription="Create a new document." ma:contentTypeScope="" ma:versionID="aaa06872673af085912decaa22f82c43">
   <xsd:schema xmlns:xsd="http://www.w3.org/2001/XMLSchema" xmlns:xs="http://www.w3.org/2001/XMLSchema" xmlns:p="http://schemas.microsoft.com/office/2006/metadata/properties" xmlns:ns3="4c5e4f78-a162-4b51-bb73-06d84a6d3807" targetNamespace="http://schemas.microsoft.com/office/2006/metadata/properties" ma:root="true" ma:fieldsID="9d9ad31bd6b527efd2e39872469d1168" ns3:_="">
     <xsd:import namespace="4c5e4f78-a162-4b51-bb73-06d84a6d3807"/>
@@ -20682,6 +20750,15 @@
 </ct:contentTypeSchema>
 </file>
 
+<file path=customXml/item2.xml><?xml version="1.0" encoding="utf-8"?>
+<?mso-contentType ?>
+<FormTemplates xmlns="http://schemas.microsoft.com/sharepoint/v3/contenttype/forms">
+  <Display>DocumentLibraryForm</Display>
+  <Edit>DocumentLibraryForm</Edit>
+  <New>DocumentLibraryForm</New>
+</FormTemplates>
+</file>
+
 <file path=customXml/item3.xml><?xml version="1.0" encoding="utf-8"?>
 <p:properties xmlns:p="http://schemas.microsoft.com/office/2006/metadata/properties" xmlns:xsi="http://www.w3.org/2001/XMLSchema-instance" xmlns:pc="http://schemas.microsoft.com/office/infopath/2007/PartnerControls">
   <documentManagement/>
@@ -20689,14 +20766,6 @@
 </file>
 
 <file path=customXml/itemProps1.xml><?xml version="1.0" encoding="utf-8"?>
-<ds:datastoreItem xmlns:ds="http://schemas.openxmlformats.org/officeDocument/2006/customXml" ds:itemID="{07B031D1-6509-4DAE-A04F-0F309787528F}">
-  <ds:schemaRefs>
-    <ds:schemaRef ds:uri="http://schemas.microsoft.com/sharepoint/v3/contenttype/forms"/>
-  </ds:schemaRefs>
-</ds:datastoreItem>
-</file>
-
-<file path=customXml/itemProps2.xml><?xml version="1.0" encoding="utf-8"?>
 <ds:datastoreItem xmlns:ds="http://schemas.openxmlformats.org/officeDocument/2006/customXml" ds:itemID="{4E25FCEF-480B-401F-B892-5984A548BB65}">
   <ds:schemaRefs>
     <ds:schemaRef ds:uri="http://schemas.microsoft.com/office/2006/metadata/contentType"/>
@@ -20710,6 +20779,14 @@
     <ds:schemaRef ds:uri="http://purl.org/dc/elements/1.1/"/>
     <ds:schemaRef ds:uri="http://purl.org/dc/terms/"/>
     <ds:schemaRef ds:uri="http://schemas.microsoft.com/internal/obd"/>
+  </ds:schemaRefs>
+</ds:datastoreItem>
+</file>
+
+<file path=customXml/itemProps2.xml><?xml version="1.0" encoding="utf-8"?>
+<ds:datastoreItem xmlns:ds="http://schemas.openxmlformats.org/officeDocument/2006/customXml" ds:itemID="{07B031D1-6509-4DAE-A04F-0F309787528F}">
+  <ds:schemaRefs>
+    <ds:schemaRef ds:uri="http://schemas.microsoft.com/sharepoint/v3/contenttype/forms"/>
   </ds:schemaRefs>
 </ds:datastoreItem>
 </file>
